--- a/Intermediate/4_Tuple/notes.pptx
+++ b/Intermediate/4_Tuple/notes.pptx
@@ -451,7 +451,7 @@
           <a:p>
             <a:fld id="{EA5EF746-3B79-49B6-985F-6AD2C727E126}" type="datetimeFigureOut">
               <a:rPr lang="en-US" smtClean="0"/>
-              <a:t>7/9/2018</a:t>
+              <a:t>7/23/2018</a:t>
             </a:fld>
             <a:endParaRPr lang="en-US"/>
           </a:p>
@@ -1539,7 +1539,7 @@
           <a:p>
             <a:fld id="{EA5EF746-3B79-49B6-985F-6AD2C727E126}" type="datetimeFigureOut">
               <a:rPr lang="en-US" smtClean="0"/>
-              <a:t>7/9/2018</a:t>
+              <a:t>7/23/2018</a:t>
             </a:fld>
             <a:endParaRPr lang="en-US"/>
           </a:p>
@@ -2519,7 +2519,7 @@
           <a:p>
             <a:fld id="{EA5EF746-3B79-49B6-985F-6AD2C727E126}" type="datetimeFigureOut">
               <a:rPr lang="en-US" smtClean="0"/>
-              <a:t>7/9/2018</a:t>
+              <a:t>7/23/2018</a:t>
             </a:fld>
             <a:endParaRPr lang="en-US"/>
           </a:p>
@@ -3653,7 +3653,7 @@
           <a:p>
             <a:fld id="{EA5EF746-3B79-49B6-985F-6AD2C727E126}" type="datetimeFigureOut">
               <a:rPr lang="en-US" smtClean="0"/>
-              <a:t>7/9/2018</a:t>
+              <a:t>7/23/2018</a:t>
             </a:fld>
             <a:endParaRPr lang="en-US"/>
           </a:p>
@@ -4686,7 +4686,7 @@
           <a:p>
             <a:fld id="{EA5EF746-3B79-49B6-985F-6AD2C727E126}" type="datetimeFigureOut">
               <a:rPr lang="en-US" smtClean="0"/>
-              <a:t>7/9/2018</a:t>
+              <a:t>7/23/2018</a:t>
             </a:fld>
             <a:endParaRPr lang="en-US"/>
           </a:p>
@@ -5346,7 +5346,7 @@
           <a:p>
             <a:fld id="{EA5EF746-3B79-49B6-985F-6AD2C727E126}" type="datetimeFigureOut">
               <a:rPr lang="en-US" smtClean="0"/>
-              <a:t>7/9/2018</a:t>
+              <a:t>7/23/2018</a:t>
             </a:fld>
             <a:endParaRPr lang="en-US"/>
           </a:p>
@@ -6207,7 +6207,7 @@
           <a:p>
             <a:fld id="{EA5EF746-3B79-49B6-985F-6AD2C727E126}" type="datetimeFigureOut">
               <a:rPr lang="en-US" smtClean="0"/>
-              <a:t>7/9/2018</a:t>
+              <a:t>7/23/2018</a:t>
             </a:fld>
             <a:endParaRPr lang="en-US"/>
           </a:p>
@@ -6397,7 +6397,7 @@
           <a:p>
             <a:fld id="{EA5EF746-3B79-49B6-985F-6AD2C727E126}" type="datetimeFigureOut">
               <a:rPr lang="en-US" smtClean="0"/>
-              <a:t>7/9/2018</a:t>
+              <a:t>7/23/2018</a:t>
             </a:fld>
             <a:endParaRPr lang="en-US"/>
           </a:p>
@@ -7369,7 +7369,7 @@
           <a:p>
             <a:fld id="{EA5EF746-3B79-49B6-985F-6AD2C727E126}" type="datetimeFigureOut">
               <a:rPr lang="en-US" smtClean="0"/>
-              <a:t>7/9/2018</a:t>
+              <a:t>7/23/2018</a:t>
             </a:fld>
             <a:endParaRPr lang="en-US"/>
           </a:p>
@@ -7580,7 +7580,7 @@
           <a:p>
             <a:fld id="{EA5EF746-3B79-49B6-985F-6AD2C727E126}" type="datetimeFigureOut">
               <a:rPr lang="en-US" smtClean="0"/>
-              <a:t>7/9/2018</a:t>
+              <a:t>7/23/2018</a:t>
             </a:fld>
             <a:endParaRPr lang="en-US"/>
           </a:p>
@@ -8614,7 +8614,7 @@
           <a:p>
             <a:fld id="{EA5EF746-3B79-49B6-985F-6AD2C727E126}" type="datetimeFigureOut">
               <a:rPr lang="en-US" smtClean="0"/>
-              <a:t>7/9/2018</a:t>
+              <a:t>7/23/2018</a:t>
             </a:fld>
             <a:endParaRPr lang="en-US"/>
           </a:p>
@@ -8886,7 +8886,7 @@
           <a:p>
             <a:fld id="{EA5EF746-3B79-49B6-985F-6AD2C727E126}" type="datetimeFigureOut">
               <a:rPr lang="en-US" smtClean="0"/>
-              <a:t>7/9/2018</a:t>
+              <a:t>7/23/2018</a:t>
             </a:fld>
             <a:endParaRPr lang="en-US"/>
           </a:p>
@@ -9296,7 +9296,7 @@
           <a:p>
             <a:fld id="{EA5EF746-3B79-49B6-985F-6AD2C727E126}" type="datetimeFigureOut">
               <a:rPr lang="en-US" smtClean="0"/>
-              <a:t>7/9/2018</a:t>
+              <a:t>7/23/2018</a:t>
             </a:fld>
             <a:endParaRPr lang="en-US"/>
           </a:p>
@@ -9423,7 +9423,7 @@
           <a:p>
             <a:fld id="{EA5EF746-3B79-49B6-985F-6AD2C727E126}" type="datetimeFigureOut">
               <a:rPr lang="en-US" smtClean="0"/>
-              <a:t>7/9/2018</a:t>
+              <a:t>7/23/2018</a:t>
             </a:fld>
             <a:endParaRPr lang="en-US"/>
           </a:p>
@@ -9518,7 +9518,7 @@
           <a:p>
             <a:fld id="{EA5EF746-3B79-49B6-985F-6AD2C727E126}" type="datetimeFigureOut">
               <a:rPr lang="en-US" smtClean="0"/>
-              <a:t>7/9/2018</a:t>
+              <a:t>7/23/2018</a:t>
             </a:fld>
             <a:endParaRPr lang="en-US"/>
           </a:p>
@@ -10599,7 +10599,7 @@
           <a:p>
             <a:fld id="{EA5EF746-3B79-49B6-985F-6AD2C727E126}" type="datetimeFigureOut">
               <a:rPr lang="en-US" smtClean="0"/>
-              <a:t>7/9/2018</a:t>
+              <a:t>7/23/2018</a:t>
             </a:fld>
             <a:endParaRPr lang="en-US"/>
           </a:p>
@@ -11707,7 +11707,7 @@
           <a:p>
             <a:fld id="{EA5EF746-3B79-49B6-985F-6AD2C727E126}" type="datetimeFigureOut">
               <a:rPr lang="en-US" smtClean="0"/>
-              <a:t>7/9/2018</a:t>
+              <a:t>7/23/2018</a:t>
             </a:fld>
             <a:endParaRPr lang="en-US"/>
           </a:p>
@@ -12704,7 +12704,7 @@
           <a:p>
             <a:fld id="{EA5EF746-3B79-49B6-985F-6AD2C727E126}" type="datetimeFigureOut">
               <a:rPr lang="en-US" smtClean="0"/>
-              <a:t>7/9/2018</a:t>
+              <a:t>7/23/2018</a:t>
             </a:fld>
             <a:endParaRPr lang="en-US"/>
           </a:p>
@@ -13972,7 +13972,7 @@
             </a:r>
             <a:r>
               <a:rPr lang="en-US" dirty="0" err="1"/>
-              <a:t>video_games</a:t>
+              <a:t>video_games.index</a:t>
             </a:r>
             <a:r>
               <a:rPr lang="en-US" dirty="0"/>
@@ -14094,13 +14094,8 @@
             </a:r>
             <a:r>
               <a:rPr lang="en-US" dirty="0"/>
-              <a:t> will be assigned to 1 because the index of </a:t>
-            </a:r>
-            <a:r>
-              <a:rPr lang="en-US"/>
-              <a:t>the letter a is 0</a:t>
-            </a:r>
-            <a:endParaRPr lang="en-US" dirty="0"/>
+              <a:t> will be assigned to 1 because the index of the letter a is 0</a:t>
+            </a:r>
           </a:p>
           <a:p>
             <a:pPr marL="0" indent="0">
